--- a/files/meta-teaching/Lecture4.pptx
+++ b/files/meta-teaching/Lecture4.pptx
@@ -242,7 +242,7 @@
           <a:p>
             <a:fld id="{9F6D67DF-CF82-44E4-9FB6-564B8C4C207B}" type="datetimeFigureOut">
               <a:rPr lang="zh-CN" altLang="en-US" smtClean="0"/>
-              <a:t>2024/5/21</a:t>
+              <a:t>2024/5/22</a:t>
             </a:fld>
             <a:endParaRPr lang="zh-CN" altLang="en-US"/>
           </a:p>
@@ -3291,7 +3291,7 @@
           <a:p>
             <a:fld id="{C18EDF5E-578C-4F7F-BA8F-EE7896D35C60}" type="datetimeFigureOut">
               <a:rPr lang="zh-CN" altLang="en-US" smtClean="0"/>
-              <a:t>2024/5/21</a:t>
+              <a:t>2024/5/22</a:t>
             </a:fld>
             <a:endParaRPr lang="zh-CN" altLang="en-US"/>
           </a:p>
@@ -3591,7 +3591,7 @@
           <a:p>
             <a:fld id="{C18EDF5E-578C-4F7F-BA8F-EE7896D35C60}" type="datetimeFigureOut">
               <a:rPr lang="zh-CN" altLang="en-US" smtClean="0"/>
-              <a:t>2024/5/21</a:t>
+              <a:t>2024/5/22</a:t>
             </a:fld>
             <a:endParaRPr lang="zh-CN" altLang="en-US"/>
           </a:p>
@@ -3801,7 +3801,7 @@
           <a:p>
             <a:fld id="{C18EDF5E-578C-4F7F-BA8F-EE7896D35C60}" type="datetimeFigureOut">
               <a:rPr lang="zh-CN" altLang="en-US" smtClean="0"/>
-              <a:t>2024/5/21</a:t>
+              <a:t>2024/5/22</a:t>
             </a:fld>
             <a:endParaRPr lang="zh-CN" altLang="en-US"/>
           </a:p>
@@ -4021,7 +4021,7 @@
           <a:p>
             <a:fld id="{C18EDF5E-578C-4F7F-BA8F-EE7896D35C60}" type="datetimeFigureOut">
               <a:rPr lang="zh-CN" altLang="en-US" smtClean="0"/>
-              <a:t>2024/5/21</a:t>
+              <a:t>2024/5/22</a:t>
             </a:fld>
             <a:endParaRPr lang="zh-CN" altLang="en-US"/>
           </a:p>
@@ -4140,7 +4140,7 @@
           <a:p>
             <a:fld id="{D67E1CCE-4C69-481E-8A82-8C3A41A945F4}" type="datetimeFigureOut">
               <a:rPr lang="zh-CN" altLang="en-US" smtClean="0"/>
-              <a:t>2024/5/21</a:t>
+              <a:t>2024/5/22</a:t>
             </a:fld>
             <a:endParaRPr lang="zh-CN" altLang="en-US"/>
           </a:p>
@@ -4908,7 +4908,7 @@
                 </a:solidFill>
               </a:rPr>
               <a:pPr/>
-              <a:t>2024/5/21</a:t>
+              <a:t>2024/5/22</a:t>
             </a:fld>
             <a:endParaRPr lang="zh-CN" altLang="en-US">
               <a:solidFill>
@@ -5138,7 +5138,7 @@
                 </a:solidFill>
               </a:rPr>
               <a:pPr/>
-              <a:t>2024/5/21</a:t>
+              <a:t>2024/5/22</a:t>
             </a:fld>
             <a:endParaRPr lang="zh-CN" altLang="en-US">
               <a:solidFill>
@@ -5387,7 +5387,7 @@
           <a:p>
             <a:fld id="{C18EDF5E-578C-4F7F-BA8F-EE7896D35C60}" type="datetimeFigureOut">
               <a:rPr lang="zh-CN" altLang="en-US" smtClean="0"/>
-              <a:t>2024/5/21</a:t>
+              <a:t>2024/5/22</a:t>
             </a:fld>
             <a:endParaRPr lang="zh-CN" altLang="en-US"/>
           </a:p>
@@ -5674,7 +5674,7 @@
           <a:p>
             <a:fld id="{C18EDF5E-578C-4F7F-BA8F-EE7896D35C60}" type="datetimeFigureOut">
               <a:rPr lang="zh-CN" altLang="en-US" smtClean="0"/>
-              <a:t>2024/5/21</a:t>
+              <a:t>2024/5/22</a:t>
             </a:fld>
             <a:endParaRPr lang="zh-CN" altLang="en-US"/>
           </a:p>
@@ -5951,7 +5951,7 @@
           <a:p>
             <a:fld id="{C18EDF5E-578C-4F7F-BA8F-EE7896D35C60}" type="datetimeFigureOut">
               <a:rPr lang="zh-CN" altLang="en-US" smtClean="0"/>
-              <a:t>2024/5/21</a:t>
+              <a:t>2024/5/22</a:t>
             </a:fld>
             <a:endParaRPr lang="zh-CN" altLang="en-US"/>
           </a:p>
@@ -6375,7 +6375,7 @@
           <a:p>
             <a:fld id="{C18EDF5E-578C-4F7F-BA8F-EE7896D35C60}" type="datetimeFigureOut">
               <a:rPr lang="zh-CN" altLang="en-US" smtClean="0"/>
-              <a:t>2024/5/21</a:t>
+              <a:t>2024/5/22</a:t>
             </a:fld>
             <a:endParaRPr lang="zh-CN" altLang="en-US"/>
           </a:p>
@@ -6799,7 +6799,7 @@
           <a:p>
             <a:fld id="{C18EDF5E-578C-4F7F-BA8F-EE7896D35C60}" type="datetimeFigureOut">
               <a:rPr lang="zh-CN" altLang="en-US" smtClean="0"/>
-              <a:t>2024/5/21</a:t>
+              <a:t>2024/5/22</a:t>
             </a:fld>
             <a:endParaRPr lang="zh-CN" altLang="en-US"/>
           </a:p>
@@ -7053,7 +7053,7 @@
           <a:p>
             <a:fld id="{C18EDF5E-578C-4F7F-BA8F-EE7896D35C60}" type="datetimeFigureOut">
               <a:rPr lang="zh-CN" altLang="en-US" smtClean="0"/>
-              <a:t>2024/5/21</a:t>
+              <a:t>2024/5/22</a:t>
             </a:fld>
             <a:endParaRPr lang="zh-CN" altLang="en-US"/>
           </a:p>
@@ -7178,7 +7178,7 @@
           <a:p>
             <a:fld id="{C18EDF5E-578C-4F7F-BA8F-EE7896D35C60}" type="datetimeFigureOut">
               <a:rPr lang="zh-CN" altLang="en-US" smtClean="0"/>
-              <a:t>2024/5/21</a:t>
+              <a:t>2024/5/22</a:t>
             </a:fld>
             <a:endParaRPr lang="zh-CN" altLang="en-US"/>
           </a:p>
@@ -7501,7 +7501,7 @@
           <a:p>
             <a:fld id="{C18EDF5E-578C-4F7F-BA8F-EE7896D35C60}" type="datetimeFigureOut">
               <a:rPr lang="zh-CN" altLang="en-US" smtClean="0"/>
-              <a:t>2024/5/21</a:t>
+              <a:t>2024/5/22</a:t>
             </a:fld>
             <a:endParaRPr lang="zh-CN" altLang="en-US"/>
           </a:p>
@@ -7763,7 +7763,7 @@
           <a:p>
             <a:fld id="{C18EDF5E-578C-4F7F-BA8F-EE7896D35C60}" type="datetimeFigureOut">
               <a:rPr lang="zh-CN" altLang="en-US" smtClean="0"/>
-              <a:t>2024/5/21</a:t>
+              <a:t>2024/5/22</a:t>
             </a:fld>
             <a:endParaRPr lang="zh-CN" altLang="en-US"/>
           </a:p>
@@ -16907,7 +16907,7 @@
                 <a:cs typeface="+mn-ea"/>
                 <a:sym typeface="+mn-lt"/>
               </a:rPr>
-              <a:t>结构</a:t>
+              <a:t>架构</a:t>
             </a:r>
             <a:endParaRPr lang="zh-CN" altLang="zh-CN" sz="3000" b="1" kern="100" dirty="0">
               <a:solidFill>
@@ -26899,7 +26899,7 @@
         </p:nvSpPr>
         <p:spPr>
           <a:xfrm>
-            <a:off x="2330476" y="4094847"/>
+            <a:off x="2148983" y="4665714"/>
             <a:ext cx="2145323" cy="849923"/>
           </a:xfrm>
           <a:prstGeom prst="roundRect">
@@ -26955,7 +26955,7 @@
         </p:nvSpPr>
         <p:spPr>
           <a:xfrm>
-            <a:off x="2330476" y="3004038"/>
+            <a:off x="2148983" y="3663970"/>
             <a:ext cx="2145323" cy="849923"/>
           </a:xfrm>
           <a:prstGeom prst="roundRect">
@@ -27004,8 +27004,8 @@
         </p:nvSpPr>
         <p:spPr>
           <a:xfrm>
-            <a:off x="979905" y="2570846"/>
-            <a:ext cx="902677" cy="2373923"/>
+            <a:off x="1328416" y="4179277"/>
+            <a:ext cx="497319" cy="1687982"/>
           </a:xfrm>
           <a:prstGeom prst="roundRect">
             <a:avLst/>
@@ -27053,8 +27053,8 @@
         </p:nvSpPr>
         <p:spPr>
           <a:xfrm>
-            <a:off x="4923693" y="2570845"/>
-            <a:ext cx="902677" cy="2373923"/>
+            <a:off x="4651785" y="4179277"/>
+            <a:ext cx="497319" cy="1687982"/>
           </a:xfrm>
           <a:prstGeom prst="roundRect">
             <a:avLst/>
@@ -27102,7 +27102,7 @@
         </p:nvSpPr>
         <p:spPr>
           <a:xfrm>
-            <a:off x="2330476" y="1858528"/>
+            <a:off x="2157349" y="5703591"/>
             <a:ext cx="2145323" cy="849923"/>
           </a:xfrm>
           <a:prstGeom prst="roundRect">
@@ -27161,6 +27161,42 @@
           <a:xfrm>
             <a:off x="6961625" y="471160"/>
             <a:ext cx="4491821" cy="5797713"/>
+          </a:xfrm>
+          <a:prstGeom prst="rect">
+            <a:avLst/>
+          </a:prstGeom>
+        </p:spPr>
+      </p:pic>
+      <p:pic>
+        <p:nvPicPr>
+          <p:cNvPr id="9" name="图片 8" descr="图示&#10;&#10;描述已自动生成">
+            <a:extLst>
+              <a:ext uri="{FF2B5EF4-FFF2-40B4-BE49-F238E27FC236}">
+                <a16:creationId xmlns:a16="http://schemas.microsoft.com/office/drawing/2014/main" id="{5A5D99A5-3E29-735B-22BA-7AC8F041A93D}"/>
+              </a:ext>
+            </a:extLst>
+          </p:cNvPr>
+          <p:cNvPicPr>
+            <a:picLocks noChangeAspect="1"/>
+          </p:cNvPicPr>
+          <p:nvPr/>
+        </p:nvPicPr>
+        <p:blipFill>
+          <a:blip r:embed="rId4">
+            <a:extLst>
+              <a:ext uri="{28A0092B-C50C-407E-A947-70E740481C1C}">
+                <a14:useLocalDpi xmlns:a14="http://schemas.microsoft.com/office/drawing/2010/main" val="0"/>
+              </a:ext>
+            </a:extLst>
+          </a:blip>
+          <a:stretch>
+            <a:fillRect/>
+          </a:stretch>
+        </p:blipFill>
+        <p:spPr>
+          <a:xfrm>
+            <a:off x="1182251" y="1176519"/>
+            <a:ext cx="4037281" cy="2335630"/>
           </a:xfrm>
           <a:prstGeom prst="rect">
             <a:avLst/>
